--- a/kag/examples/ppt/template1/中国风背景.pptx
+++ b/kag/examples/ppt/template1/中国风背景.pptx
@@ -386,6 +386,294 @@
 </file>
 
 <file path=ppt/slideLayouts/slideLayout10.xml><?xml version="1.0" encoding="utf-8"?>
+<p:sldLayout xmlns:a="http://schemas.openxmlformats.org/drawingml/2006/main" xmlns:r="http://schemas.openxmlformats.org/officeDocument/2006/relationships" xmlns:p="http://schemas.openxmlformats.org/presentationml/2006/main" type="picTx" preserve="1">
+  <p:cSld name="1_图片与标题">
+    <p:spTree>
+      <p:nvGrpSpPr>
+        <p:cNvPr id="1" name=""/>
+        <p:cNvGrpSpPr/>
+        <p:nvPr/>
+      </p:nvGrpSpPr>
+      <p:grpSpPr>
+        <a:xfrm>
+          <a:off x="0" y="0"/>
+          <a:ext cx="0" cy="0"/>
+          <a:chOff x="0" y="0"/>
+          <a:chExt cx="0" cy="0"/>
+        </a:xfrm>
+      </p:grpSpPr>
+      <p:sp>
+        <p:nvSpPr>
+          <p:cNvPr id="2" name="标题 1">
+            <a:extLst>
+              <a:ext uri="{FF2B5EF4-FFF2-40B4-BE49-F238E27FC236}">
+                <a16:creationId xmlns:a16="http://schemas.microsoft.com/office/drawing/2014/main" id="{D6BFD57A-701B-EE55-53CE-A6B1C4CDCBA8}"/>
+              </a:ext>
+            </a:extLst>
+          </p:cNvPr>
+          <p:cNvSpPr>
+            <a:spLocks noGrp="1"/>
+          </p:cNvSpPr>
+          <p:nvPr>
+            <p:ph type="title"/>
+          </p:nvPr>
+        </p:nvSpPr>
+        <p:spPr>
+          <a:xfrm>
+            <a:off x="839788" y="457200"/>
+            <a:ext cx="3932237" cy="1600200"/>
+          </a:xfrm>
+        </p:spPr>
+        <p:txBody>
+          <a:bodyPr anchor="b"/>
+          <a:lstStyle>
+            <a:lvl1pPr>
+              <a:defRPr sz="3200"/>
+            </a:lvl1pPr>
+          </a:lstStyle>
+          <a:p>
+            <a:r>
+              <a:rPr kumimoji="1" lang="zh-CN" altLang="en-US"/>
+              <a:t>单击此处编辑母版标题样式</a:t>
+            </a:r>
+          </a:p>
+        </p:txBody>
+      </p:sp>
+      <p:sp>
+        <p:nvSpPr>
+          <p:cNvPr id="3" name="图片占位符 2">
+            <a:extLst>
+              <a:ext uri="{FF2B5EF4-FFF2-40B4-BE49-F238E27FC236}">
+                <a16:creationId xmlns:a16="http://schemas.microsoft.com/office/drawing/2014/main" id="{2E46351F-1531-14B8-4560-2F43D24DE347}"/>
+              </a:ext>
+            </a:extLst>
+          </p:cNvPr>
+          <p:cNvSpPr>
+            <a:spLocks noGrp="1"/>
+          </p:cNvSpPr>
+          <p:nvPr>
+            <p:ph type="pic" idx="1"/>
+          </p:nvPr>
+        </p:nvSpPr>
+        <p:spPr>
+          <a:xfrm>
+            <a:off x="5183188" y="987425"/>
+            <a:ext cx="6172200" cy="4873625"/>
+          </a:xfrm>
+        </p:spPr>
+        <p:txBody>
+          <a:bodyPr/>
+          <a:lstStyle>
+            <a:lvl1pPr marL="0" indent="0">
+              <a:buNone/>
+              <a:defRPr sz="3200"/>
+            </a:lvl1pPr>
+            <a:lvl2pPr marL="457200" indent="0">
+              <a:buNone/>
+              <a:defRPr sz="2800"/>
+            </a:lvl2pPr>
+            <a:lvl3pPr marL="914400" indent="0">
+              <a:buNone/>
+              <a:defRPr sz="2400"/>
+            </a:lvl3pPr>
+            <a:lvl4pPr marL="1371600" indent="0">
+              <a:buNone/>
+              <a:defRPr sz="2000"/>
+            </a:lvl4pPr>
+            <a:lvl5pPr marL="1828800" indent="0">
+              <a:buNone/>
+              <a:defRPr sz="2000"/>
+            </a:lvl5pPr>
+            <a:lvl6pPr marL="2286000" indent="0">
+              <a:buNone/>
+              <a:defRPr sz="2000"/>
+            </a:lvl6pPr>
+            <a:lvl7pPr marL="2743200" indent="0">
+              <a:buNone/>
+              <a:defRPr sz="2000"/>
+            </a:lvl7pPr>
+            <a:lvl8pPr marL="3200400" indent="0">
+              <a:buNone/>
+              <a:defRPr sz="2000"/>
+            </a:lvl8pPr>
+            <a:lvl9pPr marL="3657600" indent="0">
+              <a:buNone/>
+              <a:defRPr sz="2000"/>
+            </a:lvl9pPr>
+          </a:lstStyle>
+          <a:p>
+            <a:endParaRPr kumimoji="1" lang="zh-CN" altLang="en-US"/>
+          </a:p>
+        </p:txBody>
+      </p:sp>
+      <p:sp>
+        <p:nvSpPr>
+          <p:cNvPr id="4" name="文本占位符 3">
+            <a:extLst>
+              <a:ext uri="{FF2B5EF4-FFF2-40B4-BE49-F238E27FC236}">
+                <a16:creationId xmlns:a16="http://schemas.microsoft.com/office/drawing/2014/main" id="{34D684E2-1C89-D51E-CE0A-391BDF0DDC0F}"/>
+              </a:ext>
+            </a:extLst>
+          </p:cNvPr>
+          <p:cNvSpPr>
+            <a:spLocks noGrp="1"/>
+          </p:cNvSpPr>
+          <p:nvPr>
+            <p:ph type="body" sz="half" idx="2"/>
+          </p:nvPr>
+        </p:nvSpPr>
+        <p:spPr>
+          <a:xfrm>
+            <a:off x="839788" y="2057400"/>
+            <a:ext cx="3932237" cy="3811588"/>
+          </a:xfrm>
+        </p:spPr>
+        <p:txBody>
+          <a:bodyPr/>
+          <a:lstStyle>
+            <a:lvl1pPr marL="0" indent="0">
+              <a:buNone/>
+              <a:defRPr sz="1600"/>
+            </a:lvl1pPr>
+            <a:lvl2pPr marL="457200" indent="0">
+              <a:buNone/>
+              <a:defRPr sz="1400"/>
+            </a:lvl2pPr>
+            <a:lvl3pPr marL="914400" indent="0">
+              <a:buNone/>
+              <a:defRPr sz="1200"/>
+            </a:lvl3pPr>
+            <a:lvl4pPr marL="1371600" indent="0">
+              <a:buNone/>
+              <a:defRPr sz="1000"/>
+            </a:lvl4pPr>
+            <a:lvl5pPr marL="1828800" indent="0">
+              <a:buNone/>
+              <a:defRPr sz="1000"/>
+            </a:lvl5pPr>
+            <a:lvl6pPr marL="2286000" indent="0">
+              <a:buNone/>
+              <a:defRPr sz="1000"/>
+            </a:lvl6pPr>
+            <a:lvl7pPr marL="2743200" indent="0">
+              <a:buNone/>
+              <a:defRPr sz="1000"/>
+            </a:lvl7pPr>
+            <a:lvl8pPr marL="3200400" indent="0">
+              <a:buNone/>
+              <a:defRPr sz="1000"/>
+            </a:lvl8pPr>
+            <a:lvl9pPr marL="3657600" indent="0">
+              <a:buNone/>
+              <a:defRPr sz="1000"/>
+            </a:lvl9pPr>
+          </a:lstStyle>
+          <a:p>
+            <a:pPr lvl="0"/>
+            <a:r>
+              <a:rPr kumimoji="1" lang="zh-CN" altLang="en-US"/>
+              <a:t>单击此处编辑母版文本样式</a:t>
+            </a:r>
+          </a:p>
+        </p:txBody>
+      </p:sp>
+      <p:sp>
+        <p:nvSpPr>
+          <p:cNvPr id="5" name="日期占位符 4">
+            <a:extLst>
+              <a:ext uri="{FF2B5EF4-FFF2-40B4-BE49-F238E27FC236}">
+                <a16:creationId xmlns:a16="http://schemas.microsoft.com/office/drawing/2014/main" id="{1035CA0B-897C-FFCC-B2BB-6BFFC106143E}"/>
+              </a:ext>
+            </a:extLst>
+          </p:cNvPr>
+          <p:cNvSpPr>
+            <a:spLocks noGrp="1"/>
+          </p:cNvSpPr>
+          <p:nvPr>
+            <p:ph type="dt" sz="half" idx="10"/>
+          </p:nvPr>
+        </p:nvSpPr>
+        <p:spPr/>
+        <p:txBody>
+          <a:bodyPr/>
+          <a:lstStyle/>
+          <a:p>
+            <a:fld id="{9BAB9948-3B26-344C-B56B-89DCE34D1247}" type="datetimeFigureOut">
+              <a:rPr kumimoji="1" lang="zh-CN" altLang="en-US" smtClean="0"/>
+              <a:t>2025/3/11</a:t>
+            </a:fld>
+            <a:endParaRPr kumimoji="1" lang="zh-CN" altLang="en-US"/>
+          </a:p>
+        </p:txBody>
+      </p:sp>
+      <p:sp>
+        <p:nvSpPr>
+          <p:cNvPr id="6" name="页脚占位符 5">
+            <a:extLst>
+              <a:ext uri="{FF2B5EF4-FFF2-40B4-BE49-F238E27FC236}">
+                <a16:creationId xmlns:a16="http://schemas.microsoft.com/office/drawing/2014/main" id="{4AC371BA-5682-93BD-0F8D-3AF12226FEFE}"/>
+              </a:ext>
+            </a:extLst>
+          </p:cNvPr>
+          <p:cNvSpPr>
+            <a:spLocks noGrp="1"/>
+          </p:cNvSpPr>
+          <p:nvPr>
+            <p:ph type="ftr" sz="quarter" idx="11"/>
+          </p:nvPr>
+        </p:nvSpPr>
+        <p:spPr/>
+        <p:txBody>
+          <a:bodyPr/>
+          <a:lstStyle/>
+          <a:p>
+            <a:endParaRPr kumimoji="1" lang="zh-CN" altLang="en-US"/>
+          </a:p>
+        </p:txBody>
+      </p:sp>
+      <p:sp>
+        <p:nvSpPr>
+          <p:cNvPr id="7" name="灯片编号占位符 6">
+            <a:extLst>
+              <a:ext uri="{FF2B5EF4-FFF2-40B4-BE49-F238E27FC236}">
+                <a16:creationId xmlns:a16="http://schemas.microsoft.com/office/drawing/2014/main" id="{5D66505B-248A-28DA-F71E-BB47C6970190}"/>
+              </a:ext>
+            </a:extLst>
+          </p:cNvPr>
+          <p:cNvSpPr>
+            <a:spLocks noGrp="1"/>
+          </p:cNvSpPr>
+          <p:nvPr>
+            <p:ph type="sldNum" sz="quarter" idx="12"/>
+          </p:nvPr>
+        </p:nvSpPr>
+        <p:spPr/>
+        <p:txBody>
+          <a:bodyPr/>
+          <a:lstStyle/>
+          <a:p>
+            <a:fld id="{AE5B3FEF-E1E0-C64A-A39D-973F4EB1FB6F}" type="slidenum">
+              <a:rPr kumimoji="1" lang="zh-CN" altLang="en-US" smtClean="0"/>
+              <a:t>‹#›</a:t>
+            </a:fld>
+            <a:endParaRPr kumimoji="1" lang="zh-CN" altLang="en-US"/>
+          </a:p>
+        </p:txBody>
+      </p:sp>
+    </p:spTree>
+    <p:extLst>
+      <p:ext uri="{BB962C8B-B14F-4D97-AF65-F5344CB8AC3E}">
+        <p14:creationId xmlns:p14="http://schemas.microsoft.com/office/powerpoint/2010/main" val="2594966582"/>
+      </p:ext>
+    </p:extLst>
+  </p:cSld>
+  <p:clrMapOvr>
+    <a:masterClrMapping/>
+  </p:clrMapOvr>
+</p:sldLayout>
+</file>
+
+<file path=ppt/slideLayouts/slideLayout11.xml><?xml version="1.0" encoding="utf-8"?>
 <p:sldLayout xmlns:a="http://schemas.openxmlformats.org/drawingml/2006/main" xmlns:r="http://schemas.openxmlformats.org/officeDocument/2006/relationships" xmlns:p="http://schemas.openxmlformats.org/presentationml/2006/main" type="vertTx" preserve="1">
   <p:cSld name="标题和竖排文字">
     <p:spTree>
@@ -583,7 +871,7 @@
 </p:sldLayout>
 </file>
 
-<file path=ppt/slideLayouts/slideLayout11.xml><?xml version="1.0" encoding="utf-8"?>
+<file path=ppt/slideLayouts/slideLayout12.xml><?xml version="1.0" encoding="utf-8"?>
 <p:sldLayout xmlns:a="http://schemas.openxmlformats.org/drawingml/2006/main" xmlns:r="http://schemas.openxmlformats.org/officeDocument/2006/relationships" xmlns:p="http://schemas.openxmlformats.org/presentationml/2006/main" type="vertTitleAndTx" preserve="1">
   <p:cSld name="竖排标题与文本">
     <p:spTree>
@@ -782,6 +1070,36 @@
     <p:extLst>
       <p:ext uri="{BB962C8B-B14F-4D97-AF65-F5344CB8AC3E}">
         <p14:creationId xmlns:p14="http://schemas.microsoft.com/office/powerpoint/2010/main" val="3250989337"/>
+      </p:ext>
+    </p:extLst>
+  </p:cSld>
+  <p:clrMapOvr>
+    <a:masterClrMapping/>
+  </p:clrMapOvr>
+</p:sldLayout>
+</file>
+
+<file path=ppt/slideLayouts/slideLayout13.xml><?xml version="1.0" encoding="utf-8"?>
+<p:sldLayout xmlns:a="http://schemas.openxmlformats.org/drawingml/2006/main" xmlns:r="http://schemas.openxmlformats.org/officeDocument/2006/relationships" xmlns:p="http://schemas.openxmlformats.org/presentationml/2006/main" preserve="1" userDrawn="1">
+  <p:cSld name="1_竖排标题与文本">
+    <p:spTree>
+      <p:nvGrpSpPr>
+        <p:cNvPr id="1" name=""/>
+        <p:cNvGrpSpPr/>
+        <p:nvPr/>
+      </p:nvGrpSpPr>
+      <p:grpSpPr>
+        <a:xfrm>
+          <a:off x="0" y="0"/>
+          <a:ext cx="0" cy="0"/>
+          <a:chOff x="0" y="0"/>
+          <a:chExt cx="0" cy="0"/>
+        </a:xfrm>
+      </p:grpSpPr>
+    </p:spTree>
+    <p:extLst>
+      <p:ext uri="{BB962C8B-B14F-4D97-AF65-F5344CB8AC3E}">
+        <p14:creationId xmlns:p14="http://schemas.microsoft.com/office/powerpoint/2010/main" val="2012119769"/>
       </p:ext>
     </p:extLst>
   </p:cSld>
@@ -1371,7 +1689,7 @@
           <a:lstStyle/>
           <a:p>
             <a:r>
-              <a:rPr kumimoji="1" lang="zh-CN" altLang="en-US"/>
+              <a:rPr kumimoji="1" lang="zh-CN" altLang="en-US" dirty="0"/>
               <a:t>单击此处编辑母版标题样式</a:t>
             </a:r>
           </a:p>
@@ -1712,7 +2030,7 @@
           <a:p>
             <a:pPr lvl="0"/>
             <a:r>
-              <a:rPr kumimoji="1" lang="zh-CN" altLang="en-US"/>
+              <a:rPr kumimoji="1" lang="zh-CN" altLang="en-US" dirty="0"/>
               <a:t>单击此处编辑母版文本样式</a:t>
             </a:r>
           </a:p>
@@ -2010,6 +2328,392 @@
 </file>
 
 <file path=ppt/slideLayouts/slideLayout6.xml><?xml version="1.0" encoding="utf-8"?>
+<p:sldLayout xmlns:a="http://schemas.openxmlformats.org/drawingml/2006/main" xmlns:r="http://schemas.openxmlformats.org/officeDocument/2006/relationships" xmlns:p="http://schemas.openxmlformats.org/presentationml/2006/main" preserve="1" userDrawn="1">
+  <p:cSld name="1_两栏内容">
+    <p:spTree>
+      <p:nvGrpSpPr>
+        <p:cNvPr id="1" name=""/>
+        <p:cNvGrpSpPr/>
+        <p:nvPr/>
+      </p:nvGrpSpPr>
+      <p:grpSpPr>
+        <a:xfrm>
+          <a:off x="0" y="0"/>
+          <a:ext cx="0" cy="0"/>
+          <a:chOff x="0" y="0"/>
+          <a:chExt cx="0" cy="0"/>
+        </a:xfrm>
+      </p:grpSpPr>
+      <p:sp>
+        <p:nvSpPr>
+          <p:cNvPr id="2" name="标题 1">
+            <a:extLst>
+              <a:ext uri="{FF2B5EF4-FFF2-40B4-BE49-F238E27FC236}">
+                <a16:creationId xmlns:a16="http://schemas.microsoft.com/office/drawing/2014/main" id="{808F38FB-4104-F5C9-9A89-45C9956257A6}"/>
+              </a:ext>
+            </a:extLst>
+          </p:cNvPr>
+          <p:cNvSpPr>
+            <a:spLocks noGrp="1"/>
+          </p:cNvSpPr>
+          <p:nvPr>
+            <p:ph type="title"/>
+          </p:nvPr>
+        </p:nvSpPr>
+        <p:spPr>
+          <a:xfrm>
+            <a:off x="838200" y="365125"/>
+            <a:ext cx="10545416" cy="1325563"/>
+          </a:xfrm>
+        </p:spPr>
+        <p:txBody>
+          <a:bodyPr/>
+          <a:lstStyle/>
+          <a:p>
+            <a:r>
+              <a:rPr kumimoji="1" lang="zh-CN" altLang="en-US" dirty="0"/>
+              <a:t>单击此处编辑母版标题样式</a:t>
+            </a:r>
+          </a:p>
+        </p:txBody>
+      </p:sp>
+      <p:sp>
+        <p:nvSpPr>
+          <p:cNvPr id="3" name="内容占位符 2">
+            <a:extLst>
+              <a:ext uri="{FF2B5EF4-FFF2-40B4-BE49-F238E27FC236}">
+                <a16:creationId xmlns:a16="http://schemas.microsoft.com/office/drawing/2014/main" id="{EAD2591E-3AF1-D310-A329-488D913C6862}"/>
+              </a:ext>
+            </a:extLst>
+          </p:cNvPr>
+          <p:cNvSpPr>
+            <a:spLocks noGrp="1"/>
+          </p:cNvSpPr>
+          <p:nvPr>
+            <p:ph sz="half" idx="1"/>
+          </p:nvPr>
+        </p:nvSpPr>
+        <p:spPr>
+          <a:xfrm>
+            <a:off x="838199" y="1825625"/>
+            <a:ext cx="3515139" cy="4351338"/>
+          </a:xfrm>
+        </p:spPr>
+        <p:txBody>
+          <a:bodyPr>
+            <a:normAutofit/>
+          </a:bodyPr>
+          <a:lstStyle>
+            <a:lvl1pPr>
+              <a:defRPr sz="2400"/>
+            </a:lvl1pPr>
+            <a:lvl2pPr>
+              <a:defRPr sz="2000"/>
+            </a:lvl2pPr>
+            <a:lvl3pPr>
+              <a:defRPr sz="1800"/>
+            </a:lvl3pPr>
+            <a:lvl4pPr>
+              <a:defRPr sz="1600"/>
+            </a:lvl4pPr>
+            <a:lvl5pPr>
+              <a:defRPr sz="1600"/>
+            </a:lvl5pPr>
+          </a:lstStyle>
+          <a:p>
+            <a:pPr lvl="0"/>
+            <a:r>
+              <a:rPr kumimoji="1" lang="zh-CN" altLang="en-US" dirty="0"/>
+              <a:t>单击此处编辑母版文本样式</a:t>
+            </a:r>
+          </a:p>
+          <a:p>
+            <a:pPr lvl="1"/>
+            <a:r>
+              <a:rPr kumimoji="1" lang="zh-CN" altLang="en-US" dirty="0"/>
+              <a:t>二级</a:t>
+            </a:r>
+          </a:p>
+          <a:p>
+            <a:pPr lvl="2"/>
+            <a:r>
+              <a:rPr kumimoji="1" lang="zh-CN" altLang="en-US" dirty="0"/>
+              <a:t>三级</a:t>
+            </a:r>
+          </a:p>
+          <a:p>
+            <a:pPr lvl="3"/>
+            <a:r>
+              <a:rPr kumimoji="1" lang="zh-CN" altLang="en-US" dirty="0"/>
+              <a:t>四级</a:t>
+            </a:r>
+          </a:p>
+          <a:p>
+            <a:pPr lvl="4"/>
+            <a:r>
+              <a:rPr kumimoji="1" lang="zh-CN" altLang="en-US" dirty="0"/>
+              <a:t>五级</a:t>
+            </a:r>
+          </a:p>
+        </p:txBody>
+      </p:sp>
+      <p:sp>
+        <p:nvSpPr>
+          <p:cNvPr id="4" name="内容占位符 3">
+            <a:extLst>
+              <a:ext uri="{FF2B5EF4-FFF2-40B4-BE49-F238E27FC236}">
+                <a16:creationId xmlns:a16="http://schemas.microsoft.com/office/drawing/2014/main" id="{1C8CD04F-ADE3-CDE9-F28F-022C2DCFBF3A}"/>
+              </a:ext>
+            </a:extLst>
+          </p:cNvPr>
+          <p:cNvSpPr>
+            <a:spLocks noGrp="1"/>
+          </p:cNvSpPr>
+          <p:nvPr>
+            <p:ph sz="half" idx="2"/>
+          </p:nvPr>
+        </p:nvSpPr>
+        <p:spPr>
+          <a:xfrm>
+            <a:off x="4353338" y="1837083"/>
+            <a:ext cx="3515139" cy="4351338"/>
+          </a:xfrm>
+        </p:spPr>
+        <p:txBody>
+          <a:bodyPr>
+            <a:normAutofit/>
+          </a:bodyPr>
+          <a:lstStyle>
+            <a:lvl1pPr>
+              <a:defRPr sz="2400"/>
+            </a:lvl1pPr>
+            <a:lvl2pPr>
+              <a:defRPr sz="2000"/>
+            </a:lvl2pPr>
+            <a:lvl3pPr>
+              <a:defRPr sz="1800"/>
+            </a:lvl3pPr>
+            <a:lvl4pPr>
+              <a:defRPr sz="1600"/>
+            </a:lvl4pPr>
+            <a:lvl5pPr>
+              <a:defRPr sz="1600"/>
+            </a:lvl5pPr>
+          </a:lstStyle>
+          <a:p>
+            <a:pPr lvl="0"/>
+            <a:r>
+              <a:rPr kumimoji="1" lang="zh-CN" altLang="en-US" dirty="0"/>
+              <a:t>单击此处编辑母版文本样式</a:t>
+            </a:r>
+          </a:p>
+          <a:p>
+            <a:pPr lvl="1"/>
+            <a:r>
+              <a:rPr kumimoji="1" lang="zh-CN" altLang="en-US" dirty="0"/>
+              <a:t>二级</a:t>
+            </a:r>
+          </a:p>
+          <a:p>
+            <a:pPr lvl="2"/>
+            <a:r>
+              <a:rPr kumimoji="1" lang="zh-CN" altLang="en-US" dirty="0"/>
+              <a:t>三级</a:t>
+            </a:r>
+          </a:p>
+          <a:p>
+            <a:pPr lvl="3"/>
+            <a:r>
+              <a:rPr kumimoji="1" lang="zh-CN" altLang="en-US" dirty="0"/>
+              <a:t>四级</a:t>
+            </a:r>
+          </a:p>
+          <a:p>
+            <a:pPr lvl="4"/>
+            <a:r>
+              <a:rPr kumimoji="1" lang="zh-CN" altLang="en-US" dirty="0"/>
+              <a:t>五级</a:t>
+            </a:r>
+          </a:p>
+        </p:txBody>
+      </p:sp>
+      <p:sp>
+        <p:nvSpPr>
+          <p:cNvPr id="5" name="日期占位符 4">
+            <a:extLst>
+              <a:ext uri="{FF2B5EF4-FFF2-40B4-BE49-F238E27FC236}">
+                <a16:creationId xmlns:a16="http://schemas.microsoft.com/office/drawing/2014/main" id="{60687CDD-1F16-28AA-DFCA-CAD3CF84F328}"/>
+              </a:ext>
+            </a:extLst>
+          </p:cNvPr>
+          <p:cNvSpPr>
+            <a:spLocks noGrp="1"/>
+          </p:cNvSpPr>
+          <p:nvPr>
+            <p:ph type="dt" sz="half" idx="10"/>
+          </p:nvPr>
+        </p:nvSpPr>
+        <p:spPr/>
+        <p:txBody>
+          <a:bodyPr/>
+          <a:lstStyle/>
+          <a:p>
+            <a:fld id="{9BAB9948-3B26-344C-B56B-89DCE34D1247}" type="datetimeFigureOut">
+              <a:rPr kumimoji="1" lang="zh-CN" altLang="en-US" smtClean="0"/>
+              <a:t>2025/3/11</a:t>
+            </a:fld>
+            <a:endParaRPr kumimoji="1" lang="zh-CN" altLang="en-US"/>
+          </a:p>
+        </p:txBody>
+      </p:sp>
+      <p:sp>
+        <p:nvSpPr>
+          <p:cNvPr id="6" name="页脚占位符 5">
+            <a:extLst>
+              <a:ext uri="{FF2B5EF4-FFF2-40B4-BE49-F238E27FC236}">
+                <a16:creationId xmlns:a16="http://schemas.microsoft.com/office/drawing/2014/main" id="{D834AD16-EFF0-B8AE-9AF4-3BC53C2CACB2}"/>
+              </a:ext>
+            </a:extLst>
+          </p:cNvPr>
+          <p:cNvSpPr>
+            <a:spLocks noGrp="1"/>
+          </p:cNvSpPr>
+          <p:nvPr>
+            <p:ph type="ftr" sz="quarter" idx="11"/>
+          </p:nvPr>
+        </p:nvSpPr>
+        <p:spPr/>
+        <p:txBody>
+          <a:bodyPr/>
+          <a:lstStyle/>
+          <a:p>
+            <a:endParaRPr kumimoji="1" lang="zh-CN" altLang="en-US"/>
+          </a:p>
+        </p:txBody>
+      </p:sp>
+      <p:sp>
+        <p:nvSpPr>
+          <p:cNvPr id="7" name="灯片编号占位符 6">
+            <a:extLst>
+              <a:ext uri="{FF2B5EF4-FFF2-40B4-BE49-F238E27FC236}">
+                <a16:creationId xmlns:a16="http://schemas.microsoft.com/office/drawing/2014/main" id="{4728352B-10FA-A8B2-D837-890BAE900F3C}"/>
+              </a:ext>
+            </a:extLst>
+          </p:cNvPr>
+          <p:cNvSpPr>
+            <a:spLocks noGrp="1"/>
+          </p:cNvSpPr>
+          <p:nvPr>
+            <p:ph type="sldNum" sz="quarter" idx="12"/>
+          </p:nvPr>
+        </p:nvSpPr>
+        <p:spPr/>
+        <p:txBody>
+          <a:bodyPr/>
+          <a:lstStyle/>
+          <a:p>
+            <a:fld id="{AE5B3FEF-E1E0-C64A-A39D-973F4EB1FB6F}" type="slidenum">
+              <a:rPr kumimoji="1" lang="zh-CN" altLang="en-US" smtClean="0"/>
+              <a:t>‹#›</a:t>
+            </a:fld>
+            <a:endParaRPr kumimoji="1" lang="zh-CN" altLang="en-US"/>
+          </a:p>
+        </p:txBody>
+      </p:sp>
+      <p:sp>
+        <p:nvSpPr>
+          <p:cNvPr id="8" name="内容占位符 3">
+            <a:extLst>
+              <a:ext uri="{FF2B5EF4-FFF2-40B4-BE49-F238E27FC236}">
+                <a16:creationId xmlns:a16="http://schemas.microsoft.com/office/drawing/2014/main" id="{A65D89CF-2E02-EAD3-9D60-F9C4D9CC963C}"/>
+              </a:ext>
+            </a:extLst>
+          </p:cNvPr>
+          <p:cNvSpPr>
+            <a:spLocks noGrp="1"/>
+          </p:cNvSpPr>
+          <p:nvPr>
+            <p:ph sz="half" idx="13"/>
+          </p:nvPr>
+        </p:nvSpPr>
+        <p:spPr>
+          <a:xfrm>
+            <a:off x="7868477" y="1837083"/>
+            <a:ext cx="3515139" cy="4351338"/>
+          </a:xfrm>
+        </p:spPr>
+        <p:txBody>
+          <a:bodyPr>
+            <a:normAutofit/>
+          </a:bodyPr>
+          <a:lstStyle>
+            <a:lvl1pPr>
+              <a:defRPr sz="2400"/>
+            </a:lvl1pPr>
+            <a:lvl2pPr>
+              <a:defRPr sz="2000"/>
+            </a:lvl2pPr>
+            <a:lvl3pPr>
+              <a:defRPr sz="1800"/>
+            </a:lvl3pPr>
+            <a:lvl4pPr>
+              <a:defRPr sz="1600"/>
+            </a:lvl4pPr>
+            <a:lvl5pPr>
+              <a:defRPr sz="1600"/>
+            </a:lvl5pPr>
+          </a:lstStyle>
+          <a:p>
+            <a:pPr lvl="0"/>
+            <a:r>
+              <a:rPr kumimoji="1" lang="zh-CN" altLang="en-US" dirty="0"/>
+              <a:t>单击此处编辑母版文本样式</a:t>
+            </a:r>
+          </a:p>
+          <a:p>
+            <a:pPr lvl="1"/>
+            <a:r>
+              <a:rPr kumimoji="1" lang="zh-CN" altLang="en-US" dirty="0"/>
+              <a:t>二级</a:t>
+            </a:r>
+          </a:p>
+          <a:p>
+            <a:pPr lvl="2"/>
+            <a:r>
+              <a:rPr kumimoji="1" lang="zh-CN" altLang="en-US" dirty="0"/>
+              <a:t>三级</a:t>
+            </a:r>
+          </a:p>
+          <a:p>
+            <a:pPr lvl="3"/>
+            <a:r>
+              <a:rPr kumimoji="1" lang="zh-CN" altLang="en-US" dirty="0"/>
+              <a:t>四级</a:t>
+            </a:r>
+          </a:p>
+          <a:p>
+            <a:pPr lvl="4"/>
+            <a:r>
+              <a:rPr kumimoji="1" lang="zh-CN" altLang="en-US" dirty="0"/>
+              <a:t>五级</a:t>
+            </a:r>
+          </a:p>
+        </p:txBody>
+      </p:sp>
+    </p:spTree>
+    <p:extLst>
+      <p:ext uri="{BB962C8B-B14F-4D97-AF65-F5344CB8AC3E}">
+        <p14:creationId xmlns:p14="http://schemas.microsoft.com/office/powerpoint/2010/main" val="2751000909"/>
+      </p:ext>
+    </p:extLst>
+  </p:cSld>
+  <p:clrMapOvr>
+    <a:masterClrMapping/>
+  </p:clrMapOvr>
+</p:sldLayout>
+</file>
+
+<file path=ppt/slideLayouts/slideLayout7.xml><?xml version="1.0" encoding="utf-8"?>
 <p:sldLayout xmlns:a="http://schemas.openxmlformats.org/drawingml/2006/main" xmlns:r="http://schemas.openxmlformats.org/officeDocument/2006/relationships" xmlns:p="http://schemas.openxmlformats.org/presentationml/2006/main" type="titleOnly" preserve="1">
   <p:cSld name="仅标题">
     <p:spTree>
@@ -2150,7 +2854,7 @@
 </p:sldLayout>
 </file>
 
-<file path=ppt/slideLayouts/slideLayout7.xml><?xml version="1.0" encoding="utf-8"?>
+<file path=ppt/slideLayouts/slideLayout8.xml><?xml version="1.0" encoding="utf-8"?>
 <p:sldLayout xmlns:a="http://schemas.openxmlformats.org/drawingml/2006/main" xmlns:r="http://schemas.openxmlformats.org/officeDocument/2006/relationships" xmlns:p="http://schemas.openxmlformats.org/presentationml/2006/main" type="objTx" preserve="1">
   <p:cSld name="内容与标题">
     <p:spTree>
@@ -2461,7 +3165,7 @@
 </p:sldLayout>
 </file>
 
-<file path=ppt/slideLayouts/slideLayout8.xml><?xml version="1.0" encoding="utf-8"?>
+<file path=ppt/slideLayouts/slideLayout9.xml><?xml version="1.0" encoding="utf-8"?>
 <p:sldLayout xmlns:a="http://schemas.openxmlformats.org/drawingml/2006/main" xmlns:r="http://schemas.openxmlformats.org/officeDocument/2006/relationships" xmlns:p="http://schemas.openxmlformats.org/presentationml/2006/main" preserve="1" userDrawn="1">
   <p:cSld name="图片与标题">
     <p:spTree>
@@ -2703,294 +3407,6 @@
     <p:extLst>
       <p:ext uri="{BB962C8B-B14F-4D97-AF65-F5344CB8AC3E}">
         <p14:creationId xmlns:p14="http://schemas.microsoft.com/office/powerpoint/2010/main" val="1437523772"/>
-      </p:ext>
-    </p:extLst>
-  </p:cSld>
-  <p:clrMapOvr>
-    <a:masterClrMapping/>
-  </p:clrMapOvr>
-</p:sldLayout>
-</file>
-
-<file path=ppt/slideLayouts/slideLayout9.xml><?xml version="1.0" encoding="utf-8"?>
-<p:sldLayout xmlns:a="http://schemas.openxmlformats.org/drawingml/2006/main" xmlns:r="http://schemas.openxmlformats.org/officeDocument/2006/relationships" xmlns:p="http://schemas.openxmlformats.org/presentationml/2006/main" type="picTx" preserve="1">
-  <p:cSld name="1_图片与标题">
-    <p:spTree>
-      <p:nvGrpSpPr>
-        <p:cNvPr id="1" name=""/>
-        <p:cNvGrpSpPr/>
-        <p:nvPr/>
-      </p:nvGrpSpPr>
-      <p:grpSpPr>
-        <a:xfrm>
-          <a:off x="0" y="0"/>
-          <a:ext cx="0" cy="0"/>
-          <a:chOff x="0" y="0"/>
-          <a:chExt cx="0" cy="0"/>
-        </a:xfrm>
-      </p:grpSpPr>
-      <p:sp>
-        <p:nvSpPr>
-          <p:cNvPr id="2" name="标题 1">
-            <a:extLst>
-              <a:ext uri="{FF2B5EF4-FFF2-40B4-BE49-F238E27FC236}">
-                <a16:creationId xmlns:a16="http://schemas.microsoft.com/office/drawing/2014/main" id="{D6BFD57A-701B-EE55-53CE-A6B1C4CDCBA8}"/>
-              </a:ext>
-            </a:extLst>
-          </p:cNvPr>
-          <p:cNvSpPr>
-            <a:spLocks noGrp="1"/>
-          </p:cNvSpPr>
-          <p:nvPr>
-            <p:ph type="title"/>
-          </p:nvPr>
-        </p:nvSpPr>
-        <p:spPr>
-          <a:xfrm>
-            <a:off x="839788" y="457200"/>
-            <a:ext cx="3932237" cy="1600200"/>
-          </a:xfrm>
-        </p:spPr>
-        <p:txBody>
-          <a:bodyPr anchor="b"/>
-          <a:lstStyle>
-            <a:lvl1pPr>
-              <a:defRPr sz="3200"/>
-            </a:lvl1pPr>
-          </a:lstStyle>
-          <a:p>
-            <a:r>
-              <a:rPr kumimoji="1" lang="zh-CN" altLang="en-US"/>
-              <a:t>单击此处编辑母版标题样式</a:t>
-            </a:r>
-          </a:p>
-        </p:txBody>
-      </p:sp>
-      <p:sp>
-        <p:nvSpPr>
-          <p:cNvPr id="3" name="图片占位符 2">
-            <a:extLst>
-              <a:ext uri="{FF2B5EF4-FFF2-40B4-BE49-F238E27FC236}">
-                <a16:creationId xmlns:a16="http://schemas.microsoft.com/office/drawing/2014/main" id="{2E46351F-1531-14B8-4560-2F43D24DE347}"/>
-              </a:ext>
-            </a:extLst>
-          </p:cNvPr>
-          <p:cNvSpPr>
-            <a:spLocks noGrp="1"/>
-          </p:cNvSpPr>
-          <p:nvPr>
-            <p:ph type="pic" idx="1"/>
-          </p:nvPr>
-        </p:nvSpPr>
-        <p:spPr>
-          <a:xfrm>
-            <a:off x="5183188" y="987425"/>
-            <a:ext cx="6172200" cy="4873625"/>
-          </a:xfrm>
-        </p:spPr>
-        <p:txBody>
-          <a:bodyPr/>
-          <a:lstStyle>
-            <a:lvl1pPr marL="0" indent="0">
-              <a:buNone/>
-              <a:defRPr sz="3200"/>
-            </a:lvl1pPr>
-            <a:lvl2pPr marL="457200" indent="0">
-              <a:buNone/>
-              <a:defRPr sz="2800"/>
-            </a:lvl2pPr>
-            <a:lvl3pPr marL="914400" indent="0">
-              <a:buNone/>
-              <a:defRPr sz="2400"/>
-            </a:lvl3pPr>
-            <a:lvl4pPr marL="1371600" indent="0">
-              <a:buNone/>
-              <a:defRPr sz="2000"/>
-            </a:lvl4pPr>
-            <a:lvl5pPr marL="1828800" indent="0">
-              <a:buNone/>
-              <a:defRPr sz="2000"/>
-            </a:lvl5pPr>
-            <a:lvl6pPr marL="2286000" indent="0">
-              <a:buNone/>
-              <a:defRPr sz="2000"/>
-            </a:lvl6pPr>
-            <a:lvl7pPr marL="2743200" indent="0">
-              <a:buNone/>
-              <a:defRPr sz="2000"/>
-            </a:lvl7pPr>
-            <a:lvl8pPr marL="3200400" indent="0">
-              <a:buNone/>
-              <a:defRPr sz="2000"/>
-            </a:lvl8pPr>
-            <a:lvl9pPr marL="3657600" indent="0">
-              <a:buNone/>
-              <a:defRPr sz="2000"/>
-            </a:lvl9pPr>
-          </a:lstStyle>
-          <a:p>
-            <a:endParaRPr kumimoji="1" lang="zh-CN" altLang="en-US"/>
-          </a:p>
-        </p:txBody>
-      </p:sp>
-      <p:sp>
-        <p:nvSpPr>
-          <p:cNvPr id="4" name="文本占位符 3">
-            <a:extLst>
-              <a:ext uri="{FF2B5EF4-FFF2-40B4-BE49-F238E27FC236}">
-                <a16:creationId xmlns:a16="http://schemas.microsoft.com/office/drawing/2014/main" id="{34D684E2-1C89-D51E-CE0A-391BDF0DDC0F}"/>
-              </a:ext>
-            </a:extLst>
-          </p:cNvPr>
-          <p:cNvSpPr>
-            <a:spLocks noGrp="1"/>
-          </p:cNvSpPr>
-          <p:nvPr>
-            <p:ph type="body" sz="half" idx="2"/>
-          </p:nvPr>
-        </p:nvSpPr>
-        <p:spPr>
-          <a:xfrm>
-            <a:off x="839788" y="2057400"/>
-            <a:ext cx="3932237" cy="3811588"/>
-          </a:xfrm>
-        </p:spPr>
-        <p:txBody>
-          <a:bodyPr/>
-          <a:lstStyle>
-            <a:lvl1pPr marL="0" indent="0">
-              <a:buNone/>
-              <a:defRPr sz="1600"/>
-            </a:lvl1pPr>
-            <a:lvl2pPr marL="457200" indent="0">
-              <a:buNone/>
-              <a:defRPr sz="1400"/>
-            </a:lvl2pPr>
-            <a:lvl3pPr marL="914400" indent="0">
-              <a:buNone/>
-              <a:defRPr sz="1200"/>
-            </a:lvl3pPr>
-            <a:lvl4pPr marL="1371600" indent="0">
-              <a:buNone/>
-              <a:defRPr sz="1000"/>
-            </a:lvl4pPr>
-            <a:lvl5pPr marL="1828800" indent="0">
-              <a:buNone/>
-              <a:defRPr sz="1000"/>
-            </a:lvl5pPr>
-            <a:lvl6pPr marL="2286000" indent="0">
-              <a:buNone/>
-              <a:defRPr sz="1000"/>
-            </a:lvl6pPr>
-            <a:lvl7pPr marL="2743200" indent="0">
-              <a:buNone/>
-              <a:defRPr sz="1000"/>
-            </a:lvl7pPr>
-            <a:lvl8pPr marL="3200400" indent="0">
-              <a:buNone/>
-              <a:defRPr sz="1000"/>
-            </a:lvl8pPr>
-            <a:lvl9pPr marL="3657600" indent="0">
-              <a:buNone/>
-              <a:defRPr sz="1000"/>
-            </a:lvl9pPr>
-          </a:lstStyle>
-          <a:p>
-            <a:pPr lvl="0"/>
-            <a:r>
-              <a:rPr kumimoji="1" lang="zh-CN" altLang="en-US"/>
-              <a:t>单击此处编辑母版文本样式</a:t>
-            </a:r>
-          </a:p>
-        </p:txBody>
-      </p:sp>
-      <p:sp>
-        <p:nvSpPr>
-          <p:cNvPr id="5" name="日期占位符 4">
-            <a:extLst>
-              <a:ext uri="{FF2B5EF4-FFF2-40B4-BE49-F238E27FC236}">
-                <a16:creationId xmlns:a16="http://schemas.microsoft.com/office/drawing/2014/main" id="{1035CA0B-897C-FFCC-B2BB-6BFFC106143E}"/>
-              </a:ext>
-            </a:extLst>
-          </p:cNvPr>
-          <p:cNvSpPr>
-            <a:spLocks noGrp="1"/>
-          </p:cNvSpPr>
-          <p:nvPr>
-            <p:ph type="dt" sz="half" idx="10"/>
-          </p:nvPr>
-        </p:nvSpPr>
-        <p:spPr/>
-        <p:txBody>
-          <a:bodyPr/>
-          <a:lstStyle/>
-          <a:p>
-            <a:fld id="{9BAB9948-3B26-344C-B56B-89DCE34D1247}" type="datetimeFigureOut">
-              <a:rPr kumimoji="1" lang="zh-CN" altLang="en-US" smtClean="0"/>
-              <a:t>2025/3/11</a:t>
-            </a:fld>
-            <a:endParaRPr kumimoji="1" lang="zh-CN" altLang="en-US"/>
-          </a:p>
-        </p:txBody>
-      </p:sp>
-      <p:sp>
-        <p:nvSpPr>
-          <p:cNvPr id="6" name="页脚占位符 5">
-            <a:extLst>
-              <a:ext uri="{FF2B5EF4-FFF2-40B4-BE49-F238E27FC236}">
-                <a16:creationId xmlns:a16="http://schemas.microsoft.com/office/drawing/2014/main" id="{4AC371BA-5682-93BD-0F8D-3AF12226FEFE}"/>
-              </a:ext>
-            </a:extLst>
-          </p:cNvPr>
-          <p:cNvSpPr>
-            <a:spLocks noGrp="1"/>
-          </p:cNvSpPr>
-          <p:nvPr>
-            <p:ph type="ftr" sz="quarter" idx="11"/>
-          </p:nvPr>
-        </p:nvSpPr>
-        <p:spPr/>
-        <p:txBody>
-          <a:bodyPr/>
-          <a:lstStyle/>
-          <a:p>
-            <a:endParaRPr kumimoji="1" lang="zh-CN" altLang="en-US"/>
-          </a:p>
-        </p:txBody>
-      </p:sp>
-      <p:sp>
-        <p:nvSpPr>
-          <p:cNvPr id="7" name="灯片编号占位符 6">
-            <a:extLst>
-              <a:ext uri="{FF2B5EF4-FFF2-40B4-BE49-F238E27FC236}">
-                <a16:creationId xmlns:a16="http://schemas.microsoft.com/office/drawing/2014/main" id="{5D66505B-248A-28DA-F71E-BB47C6970190}"/>
-              </a:ext>
-            </a:extLst>
-          </p:cNvPr>
-          <p:cNvSpPr>
-            <a:spLocks noGrp="1"/>
-          </p:cNvSpPr>
-          <p:nvPr>
-            <p:ph type="sldNum" sz="quarter" idx="12"/>
-          </p:nvPr>
-        </p:nvSpPr>
-        <p:spPr/>
-        <p:txBody>
-          <a:bodyPr/>
-          <a:lstStyle/>
-          <a:p>
-            <a:fld id="{AE5B3FEF-E1E0-C64A-A39D-973F4EB1FB6F}" type="slidenum">
-              <a:rPr kumimoji="1" lang="zh-CN" altLang="en-US" smtClean="0"/>
-              <a:t>‹#›</a:t>
-            </a:fld>
-            <a:endParaRPr kumimoji="1" lang="zh-CN" altLang="en-US"/>
-          </a:p>
-        </p:txBody>
-      </p:sp>
-    </p:spTree>
-    <p:extLst>
-      <p:ext uri="{BB962C8B-B14F-4D97-AF65-F5344CB8AC3E}">
-        <p14:creationId xmlns:p14="http://schemas.microsoft.com/office/powerpoint/2010/main" val="2594966582"/>
       </p:ext>
     </p:extLst>
   </p:cSld>
@@ -3037,7 +3453,7 @@
           <p:nvPr userDrawn="1"/>
         </p:nvPicPr>
         <p:blipFill>
-          <a:blip r:embed="rId13">
+          <a:blip r:embed="rId15">
             <a:extLst>
               <a:ext uri="{28A0092B-C50C-407E-A947-70E740481C1C}">
                 <a14:useLocalDpi xmlns:a14="http://schemas.microsoft.com/office/drawing/2010/main"/>
@@ -3314,12 +3730,14 @@
     <p:sldLayoutId id="2147483651" r:id="rId3"/>
     <p:sldLayoutId id="2147483652" r:id="rId4"/>
     <p:sldLayoutId id="2147483653" r:id="rId5"/>
-    <p:sldLayoutId id="2147483654" r:id="rId6"/>
-    <p:sldLayoutId id="2147483656" r:id="rId7"/>
-    <p:sldLayoutId id="2147483657" r:id="rId8"/>
-    <p:sldLayoutId id="2147483660" r:id="rId9"/>
-    <p:sldLayoutId id="2147483658" r:id="rId10"/>
-    <p:sldLayoutId id="2147483659" r:id="rId11"/>
+    <p:sldLayoutId id="2147483661" r:id="rId6"/>
+    <p:sldLayoutId id="2147483654" r:id="rId7"/>
+    <p:sldLayoutId id="2147483656" r:id="rId8"/>
+    <p:sldLayoutId id="2147483657" r:id="rId9"/>
+    <p:sldLayoutId id="2147483660" r:id="rId10"/>
+    <p:sldLayoutId id="2147483658" r:id="rId11"/>
+    <p:sldLayoutId id="2147483659" r:id="rId12"/>
+    <p:sldLayoutId id="2147483662" r:id="rId13"/>
   </p:sldLayoutIdLst>
   <p:txStyles>
     <p:titleStyle>

--- a/kag/examples/ppt/template1/中国风背景.pptx
+++ b/kag/examples/ppt/template1/中国风背景.pptx
@@ -312,7 +312,7 @@
           <a:p>
             <a:fld id="{9BAB9948-3B26-344C-B56B-89DCE34D1247}" type="datetimeFigureOut">
               <a:rPr kumimoji="1" lang="zh-CN" altLang="en-US" smtClean="0"/>
-              <a:t>2025/3/11</a:t>
+              <a:t>2025/3/14</a:t>
             </a:fld>
             <a:endParaRPr kumimoji="1" lang="zh-CN" altLang="en-US"/>
           </a:p>
@@ -420,20 +420,22 @@
         </p:nvSpPr>
         <p:spPr>
           <a:xfrm>
-            <a:off x="839788" y="457200"/>
-            <a:ext cx="3932237" cy="1600200"/>
+            <a:off x="534988" y="337312"/>
+            <a:ext cx="10729360" cy="934278"/>
           </a:xfrm>
         </p:spPr>
         <p:txBody>
-          <a:bodyPr anchor="b"/>
+          <a:bodyPr anchor="b">
+            <a:normAutofit/>
+          </a:bodyPr>
           <a:lstStyle>
             <a:lvl1pPr>
-              <a:defRPr sz="3200"/>
+              <a:defRPr sz="3600"/>
             </a:lvl1pPr>
           </a:lstStyle>
           <a:p>
             <a:r>
-              <a:rPr kumimoji="1" lang="zh-CN" altLang="en-US"/>
+              <a:rPr kumimoji="1" lang="zh-CN" altLang="en-US" dirty="0"/>
               <a:t>单击此处编辑母版标题样式</a:t>
             </a:r>
           </a:p>
@@ -457,8 +459,8 @@
         </p:nvSpPr>
         <p:spPr>
           <a:xfrm>
-            <a:off x="5183188" y="987425"/>
-            <a:ext cx="6172200" cy="4873625"/>
+            <a:off x="3439336" y="1310106"/>
+            <a:ext cx="4920663" cy="3436179"/>
           </a:xfrm>
         </p:spPr>
         <p:txBody>
@@ -524,14 +526,14 @@
         </p:nvSpPr>
         <p:spPr>
           <a:xfrm>
-            <a:off x="839788" y="2057400"/>
-            <a:ext cx="3932237" cy="3811588"/>
+            <a:off x="2689329" y="4746285"/>
+            <a:ext cx="6420678" cy="1103243"/>
           </a:xfrm>
         </p:spPr>
         <p:txBody>
           <a:bodyPr/>
           <a:lstStyle>
-            <a:lvl1pPr marL="0" indent="0">
+            <a:lvl1pPr marL="0" indent="0" algn="ctr">
               <a:buNone/>
               <a:defRPr sz="1600"/>
             </a:lvl1pPr>
@@ -571,7 +573,7 @@
           <a:p>
             <a:pPr lvl="0"/>
             <a:r>
-              <a:rPr kumimoji="1" lang="zh-CN" altLang="en-US"/>
+              <a:rPr kumimoji="1" lang="zh-CN" altLang="en-US" dirty="0"/>
               <a:t>单击此处编辑母版文本样式</a:t>
             </a:r>
           </a:p>
@@ -600,7 +602,7 @@
           <a:p>
             <a:fld id="{9BAB9948-3B26-344C-B56B-89DCE34D1247}" type="datetimeFigureOut">
               <a:rPr kumimoji="1" lang="zh-CN" altLang="en-US" smtClean="0"/>
-              <a:t>2025/3/11</a:t>
+              <a:t>2025/3/14</a:t>
             </a:fld>
             <a:endParaRPr kumimoji="1" lang="zh-CN" altLang="en-US"/>
           </a:p>
@@ -708,11 +710,17 @@
         </p:nvSpPr>
         <p:spPr/>
         <p:txBody>
-          <a:bodyPr/>
-          <a:lstStyle/>
-          <a:p>
-            <a:r>
-              <a:rPr kumimoji="1" lang="zh-CN" altLang="en-US"/>
+          <a:bodyPr>
+            <a:normAutofit/>
+          </a:bodyPr>
+          <a:lstStyle>
+            <a:lvl1pPr>
+              <a:defRPr sz="3600"/>
+            </a:lvl1pPr>
+          </a:lstStyle>
+          <a:p>
+            <a:r>
+              <a:rPr kumimoji="1" lang="zh-CN" altLang="en-US" dirty="0"/>
               <a:t>单击此处编辑母版标题样式</a:t>
             </a:r>
           </a:p>
@@ -798,7 +806,7 @@
           <a:p>
             <a:fld id="{9BAB9948-3B26-344C-B56B-89DCE34D1247}" type="datetimeFigureOut">
               <a:rPr kumimoji="1" lang="zh-CN" altLang="en-US" smtClean="0"/>
-              <a:t>2025/3/11</a:t>
+              <a:t>2025/3/14</a:t>
             </a:fld>
             <a:endParaRPr kumimoji="1" lang="zh-CN" altLang="en-US"/>
           </a:p>
@@ -911,11 +919,17 @@
           </a:xfrm>
         </p:spPr>
         <p:txBody>
-          <a:bodyPr vert="eaVert"/>
-          <a:lstStyle/>
-          <a:p>
-            <a:r>
-              <a:rPr kumimoji="1" lang="zh-CN" altLang="en-US"/>
+          <a:bodyPr vert="eaVert">
+            <a:normAutofit/>
+          </a:bodyPr>
+          <a:lstStyle>
+            <a:lvl1pPr>
+              <a:defRPr sz="3600"/>
+            </a:lvl1pPr>
+          </a:lstStyle>
+          <a:p>
+            <a:r>
+              <a:rPr kumimoji="1" lang="zh-CN" altLang="en-US" dirty="0"/>
               <a:t>单击此处编辑母版标题样式</a:t>
             </a:r>
           </a:p>
@@ -1006,7 +1020,7 @@
           <a:p>
             <a:fld id="{9BAB9948-3B26-344C-B56B-89DCE34D1247}" type="datetimeFigureOut">
               <a:rPr kumimoji="1" lang="zh-CN" altLang="en-US" smtClean="0"/>
-              <a:t>2025/3/11</a:t>
+              <a:t>2025/3/14</a:t>
             </a:fld>
             <a:endParaRPr kumimoji="1" lang="zh-CN" altLang="en-US"/>
           </a:p>
@@ -1144,8 +1158,14 @@
         </p:nvSpPr>
         <p:spPr/>
         <p:txBody>
-          <a:bodyPr/>
-          <a:lstStyle/>
+          <a:bodyPr>
+            <a:normAutofit/>
+          </a:bodyPr>
+          <a:lstStyle>
+            <a:lvl1pPr>
+              <a:defRPr sz="3600"/>
+            </a:lvl1pPr>
+          </a:lstStyle>
           <a:p>
             <a:r>
               <a:rPr kumimoji="1" lang="zh-CN" altLang="en-US" dirty="0"/>
@@ -1177,7 +1197,7 @@
           <a:p>
             <a:fld id="{9BAB9948-3B26-344C-B56B-89DCE34D1247}" type="datetimeFigureOut">
               <a:rPr kumimoji="1" lang="zh-CN" altLang="en-US" smtClean="0"/>
-              <a:t>2025/3/11</a:t>
+              <a:t>2025/3/14</a:t>
             </a:fld>
             <a:endParaRPr kumimoji="1" lang="zh-CN" altLang="en-US"/>
           </a:p>
@@ -1250,7 +1270,7 @@
             <a:spLocks noGrp="1"/>
           </p:cNvSpPr>
           <p:nvPr>
-            <p:ph type="body" idx="1"/>
+            <p:ph type="body" idx="1" hasCustomPrompt="1"/>
           </p:nvPr>
         </p:nvSpPr>
         <p:spPr>
@@ -1260,11 +1280,13 @@
           </a:xfrm>
         </p:spPr>
         <p:txBody>
-          <a:bodyPr/>
+          <a:bodyPr>
+            <a:normAutofit/>
+          </a:bodyPr>
           <a:lstStyle>
             <a:lvl1pPr marL="0" indent="0">
               <a:buNone/>
-              <a:defRPr sz="2400">
+              <a:defRPr sz="2000">
                 <a:solidFill>
                   <a:schemeClr val="tx1">
                     <a:tint val="75000"/>
@@ -1355,6 +1377,10 @@
           </a:lstStyle>
           <a:p>
             <a:pPr lvl="0"/>
+            <a:r>
+              <a:rPr kumimoji="1" lang="en-US" altLang="zh-CN" dirty="0"/>
+              <a:t>	</a:t>
+            </a:r>
             <a:r>
               <a:rPr kumimoji="1" lang="zh-CN" altLang="en-US" dirty="0"/>
               <a:t>单击此处编辑母版文本样式</a:t>
@@ -1415,10 +1441,12 @@
           </a:xfrm>
         </p:spPr>
         <p:txBody>
-          <a:bodyPr anchor="t"/>
+          <a:bodyPr anchor="t">
+            <a:normAutofit/>
+          </a:bodyPr>
           <a:lstStyle>
             <a:lvl1pPr>
-              <a:defRPr lang="zh-CN" altLang="en-US" dirty="0"/>
+              <a:defRPr lang="zh-CN" altLang="en-US" sz="3600" dirty="0"/>
             </a:lvl1pPr>
           </a:lstStyle>
           <a:p>
@@ -1452,11 +1480,13 @@
           </a:xfrm>
         </p:spPr>
         <p:txBody>
-          <a:bodyPr/>
+          <a:bodyPr>
+            <a:normAutofit/>
+          </a:bodyPr>
           <a:lstStyle>
             <a:lvl1pPr marL="0" indent="0">
               <a:buNone/>
-              <a:defRPr sz="2400">
+              <a:defRPr sz="2000">
                 <a:solidFill>
                   <a:schemeClr val="tx1">
                     <a:tint val="75000"/>
@@ -1577,7 +1607,7 @@
           <a:p>
             <a:fld id="{9BAB9948-3B26-344C-B56B-89DCE34D1247}" type="datetimeFigureOut">
               <a:rPr kumimoji="1" lang="zh-CN" altLang="en-US" smtClean="0"/>
-              <a:t>2025/3/11</a:t>
+              <a:t>2025/3/14</a:t>
             </a:fld>
             <a:endParaRPr kumimoji="1" lang="zh-CN" altLang="en-US"/>
           </a:p>
@@ -1685,8 +1715,14 @@
         </p:nvSpPr>
         <p:spPr/>
         <p:txBody>
-          <a:bodyPr/>
-          <a:lstStyle/>
+          <a:bodyPr>
+            <a:normAutofit/>
+          </a:bodyPr>
+          <a:lstStyle>
+            <a:lvl1pPr>
+              <a:defRPr sz="3600"/>
+            </a:lvl1pPr>
+          </a:lstStyle>
           <a:p>
             <a:r>
               <a:rPr kumimoji="1" lang="zh-CN" altLang="en-US" dirty="0"/>
@@ -1842,7 +1878,7 @@
           <a:p>
             <a:fld id="{9BAB9948-3B26-344C-B56B-89DCE34D1247}" type="datetimeFigureOut">
               <a:rPr kumimoji="1" lang="zh-CN" altLang="en-US" smtClean="0"/>
-              <a:t>2025/3/11</a:t>
+              <a:t>2025/3/14</a:t>
             </a:fld>
             <a:endParaRPr kumimoji="1" lang="zh-CN" altLang="en-US"/>
           </a:p>
@@ -2254,7 +2290,7 @@
           <a:p>
             <a:fld id="{9BAB9948-3B26-344C-B56B-89DCE34D1247}" type="datetimeFigureOut">
               <a:rPr kumimoji="1" lang="zh-CN" altLang="en-US" smtClean="0"/>
-              <a:t>2025/3/11</a:t>
+              <a:t>2025/3/14</a:t>
             </a:fld>
             <a:endParaRPr kumimoji="1" lang="zh-CN" altLang="en-US"/>
           </a:p>
@@ -2560,7 +2596,7 @@
           <a:p>
             <a:fld id="{9BAB9948-3B26-344C-B56B-89DCE34D1247}" type="datetimeFigureOut">
               <a:rPr kumimoji="1" lang="zh-CN" altLang="en-US" smtClean="0"/>
-              <a:t>2025/3/11</a:t>
+              <a:t>2025/3/14</a:t>
             </a:fld>
             <a:endParaRPr kumimoji="1" lang="zh-CN" altLang="en-US"/>
           </a:p>
@@ -2748,11 +2784,17 @@
         </p:nvSpPr>
         <p:spPr/>
         <p:txBody>
-          <a:bodyPr/>
-          <a:lstStyle/>
-          <a:p>
-            <a:r>
-              <a:rPr kumimoji="1" lang="zh-CN" altLang="en-US"/>
+          <a:bodyPr>
+            <a:normAutofit/>
+          </a:bodyPr>
+          <a:lstStyle>
+            <a:lvl1pPr>
+              <a:defRPr sz="3600"/>
+            </a:lvl1pPr>
+          </a:lstStyle>
+          <a:p>
+            <a:r>
+              <a:rPr kumimoji="1" lang="zh-CN" altLang="en-US" dirty="0"/>
               <a:t>单击此处编辑母版标题样式</a:t>
             </a:r>
           </a:p>
@@ -2781,7 +2823,7 @@
           <a:p>
             <a:fld id="{9BAB9948-3B26-344C-B56B-89DCE34D1247}" type="datetimeFigureOut">
               <a:rPr kumimoji="1" lang="zh-CN" altLang="en-US" smtClean="0"/>
-              <a:t>2025/3/11</a:t>
+              <a:t>2025/3/14</a:t>
             </a:fld>
             <a:endParaRPr kumimoji="1" lang="zh-CN" altLang="en-US"/>
           </a:p>
@@ -2894,15 +2936,17 @@
           </a:xfrm>
         </p:spPr>
         <p:txBody>
-          <a:bodyPr anchor="b"/>
+          <a:bodyPr anchor="b">
+            <a:normAutofit/>
+          </a:bodyPr>
           <a:lstStyle>
             <a:lvl1pPr>
-              <a:defRPr sz="3200"/>
+              <a:defRPr sz="3600"/>
             </a:lvl1pPr>
           </a:lstStyle>
           <a:p>
             <a:r>
-              <a:rPr kumimoji="1" lang="zh-CN" altLang="en-US"/>
+              <a:rPr kumimoji="1" lang="zh-CN" altLang="en-US" dirty="0"/>
               <a:t>单击此处编辑母版标题样式</a:t>
             </a:r>
           </a:p>
@@ -3092,7 +3136,7 @@
           <a:p>
             <a:fld id="{9BAB9948-3B26-344C-B56B-89DCE34D1247}" type="datetimeFigureOut">
               <a:rPr kumimoji="1" lang="zh-CN" altLang="en-US" smtClean="0"/>
-              <a:t>2025/3/11</a:t>
+              <a:t>2025/3/14</a:t>
             </a:fld>
             <a:endParaRPr kumimoji="1" lang="zh-CN" altLang="en-US"/>
           </a:p>
@@ -3200,20 +3244,22 @@
         </p:nvSpPr>
         <p:spPr>
           <a:xfrm>
-            <a:off x="839788" y="457200"/>
-            <a:ext cx="3932237" cy="1600200"/>
+            <a:off x="571432" y="338000"/>
+            <a:ext cx="10512424" cy="864704"/>
           </a:xfrm>
         </p:spPr>
         <p:txBody>
-          <a:bodyPr anchor="b"/>
+          <a:bodyPr anchor="b">
+            <a:normAutofit/>
+          </a:bodyPr>
           <a:lstStyle>
             <a:lvl1pPr>
-              <a:defRPr sz="3200"/>
+              <a:defRPr sz="3600"/>
             </a:lvl1pPr>
           </a:lstStyle>
           <a:p>
             <a:r>
-              <a:rPr kumimoji="1" lang="zh-CN" altLang="en-US"/>
+              <a:rPr kumimoji="1" lang="zh-CN" altLang="en-US" dirty="0"/>
               <a:t>单击此处编辑母版标题样式</a:t>
             </a:r>
           </a:p>
@@ -3237,14 +3283,14 @@
         </p:nvSpPr>
         <p:spPr>
           <a:xfrm>
-            <a:off x="839788" y="2057400"/>
-            <a:ext cx="3932237" cy="3811588"/>
+            <a:off x="2564296" y="5004283"/>
+            <a:ext cx="7176052" cy="864704"/>
           </a:xfrm>
         </p:spPr>
         <p:txBody>
           <a:bodyPr/>
           <a:lstStyle>
-            <a:lvl1pPr marL="0" indent="0">
+            <a:lvl1pPr marL="0" indent="0" algn="ctr">
               <a:buNone/>
               <a:defRPr sz="1600"/>
             </a:lvl1pPr>
@@ -3284,7 +3330,7 @@
           <a:p>
             <a:pPr lvl="0"/>
             <a:r>
-              <a:rPr kumimoji="1" lang="zh-CN" altLang="en-US"/>
+              <a:rPr kumimoji="1" lang="zh-CN" altLang="en-US" dirty="0"/>
               <a:t>单击此处编辑母版文本样式</a:t>
             </a:r>
           </a:p>
@@ -3313,7 +3359,7 @@
           <a:p>
             <a:fld id="{9BAB9948-3B26-344C-B56B-89DCE34D1247}" type="datetimeFigureOut">
               <a:rPr kumimoji="1" lang="zh-CN" altLang="en-US" smtClean="0"/>
-              <a:t>2025/3/11</a:t>
+              <a:t>2025/3/14</a:t>
             </a:fld>
             <a:endParaRPr kumimoji="1" lang="zh-CN" altLang="en-US"/>
           </a:p>
@@ -3391,15 +3437,15 @@
         </p:nvSpPr>
         <p:spPr>
           <a:xfrm>
-            <a:off x="5437187" y="769938"/>
-            <a:ext cx="5915025" cy="5099050"/>
+            <a:off x="2882348" y="1314450"/>
+            <a:ext cx="5890591" cy="3578086"/>
           </a:xfrm>
         </p:spPr>
         <p:txBody>
           <a:bodyPr/>
           <a:lstStyle/>
           <a:p>
-            <a:endParaRPr kumimoji="1" lang="zh-CN" altLang="en-US"/>
+            <a:endParaRPr kumimoji="1" lang="zh-CN" altLang="en-US" dirty="0"/>
           </a:p>
         </p:txBody>
       </p:sp>
@@ -3620,7 +3666,7 @@
           <a:p>
             <a:fld id="{9BAB9948-3B26-344C-B56B-89DCE34D1247}" type="datetimeFigureOut">
               <a:rPr kumimoji="1" lang="zh-CN" altLang="en-US" smtClean="0"/>
-              <a:t>2025/3/11</a:t>
+              <a:t>2025/3/14</a:t>
             </a:fld>
             <a:endParaRPr kumimoji="1" lang="zh-CN" altLang="en-US"/>
           </a:p>
